--- a/Slides/Meeting_12_17.pptx
+++ b/Slides/Meeting_12_17.pptx
@@ -218,7 +218,7 @@
           <a:p>
             <a:fld id="{93967660-5FCF-E94E-A25B-5D2808F7F9EC}" type="datetimeFigureOut">
               <a:rPr lang="en-US" smtClean="0"/>
-              <a:t>12/17/20</a:t>
+              <a:t>1/6/21</a:t>
             </a:fld>
             <a:endParaRPr lang="en-US"/>
           </a:p>
@@ -384,7 +384,7 @@
           <a:p>
             <a:fld id="{F22C7C65-F9C4-6A41-9924-953833C51A35}" type="datetimeFigureOut">
               <a:rPr lang="en-US" smtClean="0"/>
-              <a:t>12/17/20</a:t>
+              <a:t>1/6/21</a:t>
             </a:fld>
             <a:endParaRPr lang="en-US"/>
           </a:p>
@@ -3217,7 +3217,7 @@
             </a:pPr>
             <a:r>
               <a:rPr lang="en-US" sz="1800" dirty="0"/>
-              <a:t>We verify by checking: norm((Au)[</a:t>
+              <a:t>We verify the norm((Au)[</a:t>
             </a:r>
             <a:r>
               <a:rPr lang="en-US" sz="1800" dirty="0" err="1"/>
@@ -3496,7 +3496,7 @@
         </p:blipFill>
         <p:spPr>
           <a:xfrm>
-            <a:off x="5857594" y="594122"/>
+            <a:off x="5952711" y="607673"/>
             <a:ext cx="3048000" cy="2032000"/>
           </a:xfrm>
           <a:prstGeom prst="rect">
